--- a/Slides/Cap final.pptx
+++ b/Slides/Cap final.pptx
@@ -10,11 +10,12 @@
     <p:sldId id="258" r:id="rId4"/>
     <p:sldId id="263" r:id="rId5"/>
     <p:sldId id="259" r:id="rId6"/>
-    <p:sldId id="260" r:id="rId7"/>
-    <p:sldId id="261" r:id="rId8"/>
-    <p:sldId id="264" r:id="rId9"/>
-    <p:sldId id="262" r:id="rId10"/>
-    <p:sldId id="265" r:id="rId11"/>
+    <p:sldId id="266" r:id="rId7"/>
+    <p:sldId id="260" r:id="rId8"/>
+    <p:sldId id="261" r:id="rId9"/>
+    <p:sldId id="264" r:id="rId10"/>
+    <p:sldId id="262" r:id="rId11"/>
+    <p:sldId id="265" r:id="rId12"/>
   </p:sldIdLst>
   <p:sldSz cx="12192000" cy="6858000"/>
   <p:notesSz cx="6858000" cy="9144000"/>
@@ -307,7 +308,7 @@
           <a:p>
             <a:fld id="{4AAD347D-5ACD-4C99-B74B-A9C85AD731AF}" type="datetimeFigureOut">
               <a:rPr lang="en-US" dirty="0"/>
-              <a:t>12/3/2019</a:t>
+              <a:t>12/4/2019</a:t>
             </a:fld>
             <a:endParaRPr lang="en-US" dirty="0"/>
           </a:p>
@@ -577,7 +578,7 @@
           <a:p>
             <a:fld id="{4509A250-FF31-4206-8172-F9D3106AACB1}" type="datetimeFigureOut">
               <a:rPr lang="en-US" dirty="0"/>
-              <a:t>12/3/2019</a:t>
+              <a:t>12/4/2019</a:t>
             </a:fld>
             <a:endParaRPr lang="en-US" dirty="0"/>
           </a:p>
@@ -766,7 +767,7 @@
           <a:p>
             <a:fld id="{4509A250-FF31-4206-8172-F9D3106AACB1}" type="datetimeFigureOut">
               <a:rPr lang="en-US" dirty="0"/>
-              <a:t>12/3/2019</a:t>
+              <a:t>12/4/2019</a:t>
             </a:fld>
             <a:endParaRPr lang="en-US" dirty="0"/>
           </a:p>
@@ -1034,7 +1035,7 @@
           <a:p>
             <a:fld id="{4509A250-FF31-4206-8172-F9D3106AACB1}" type="datetimeFigureOut">
               <a:rPr lang="en-US" dirty="0"/>
-              <a:t>12/3/2019</a:t>
+              <a:t>12/4/2019</a:t>
             </a:fld>
             <a:endParaRPr lang="en-US" dirty="0"/>
           </a:p>
@@ -1370,7 +1371,7 @@
           <a:p>
             <a:fld id="{4509A250-FF31-4206-8172-F9D3106AACB1}" type="datetimeFigureOut">
               <a:rPr lang="en-US" dirty="0"/>
-              <a:t>12/3/2019</a:t>
+              <a:t>12/4/2019</a:t>
             </a:fld>
             <a:endParaRPr lang="en-US" dirty="0"/>
           </a:p>
@@ -1988,7 +1989,7 @@
           <a:p>
             <a:fld id="{4509A250-FF31-4206-8172-F9D3106AACB1}" type="datetimeFigureOut">
               <a:rPr lang="en-US" dirty="0"/>
-              <a:t>12/3/2019</a:t>
+              <a:t>12/4/2019</a:t>
             </a:fld>
             <a:endParaRPr lang="en-US" dirty="0"/>
           </a:p>
@@ -2843,7 +2844,7 @@
           <a:p>
             <a:fld id="{4509A250-FF31-4206-8172-F9D3106AACB1}" type="datetimeFigureOut">
               <a:rPr lang="en-US" dirty="0"/>
-              <a:t>12/3/2019</a:t>
+              <a:t>12/4/2019</a:t>
             </a:fld>
             <a:endParaRPr lang="en-US" dirty="0"/>
           </a:p>
@@ -3008,7 +3009,7 @@
           <a:p>
             <a:fld id="{4509A250-FF31-4206-8172-F9D3106AACB1}" type="datetimeFigureOut">
               <a:rPr lang="en-US" dirty="0"/>
-              <a:t>12/3/2019</a:t>
+              <a:t>12/4/2019</a:t>
             </a:fld>
             <a:endParaRPr lang="en-US" dirty="0"/>
           </a:p>
@@ -3183,7 +3184,7 @@
           <a:p>
             <a:fld id="{4509A250-FF31-4206-8172-F9D3106AACB1}" type="datetimeFigureOut">
               <a:rPr lang="en-US" dirty="0"/>
-              <a:t>12/3/2019</a:t>
+              <a:t>12/4/2019</a:t>
             </a:fld>
             <a:endParaRPr lang="en-US" dirty="0"/>
           </a:p>
@@ -3348,7 +3349,7 @@
           <a:p>
             <a:fld id="{4509A250-FF31-4206-8172-F9D3106AACB1}" type="datetimeFigureOut">
               <a:rPr lang="en-US" dirty="0"/>
-              <a:t>12/3/2019</a:t>
+              <a:t>12/4/2019</a:t>
             </a:fld>
             <a:endParaRPr lang="en-US" dirty="0"/>
           </a:p>
@@ -3590,7 +3591,7 @@
           <a:p>
             <a:fld id="{9796027F-7875-4030-9381-8BD8C4F21935}" type="datetimeFigureOut">
               <a:rPr lang="en-US" dirty="0"/>
-              <a:t>12/3/2019</a:t>
+              <a:t>12/4/2019</a:t>
             </a:fld>
             <a:endParaRPr lang="en-US" dirty="0"/>
           </a:p>
@@ -3877,7 +3878,7 @@
           <a:p>
             <a:fld id="{9796027F-7875-4030-9381-8BD8C4F21935}" type="datetimeFigureOut">
               <a:rPr lang="en-US" dirty="0"/>
-              <a:t>12/3/2019</a:t>
+              <a:t>12/4/2019</a:t>
             </a:fld>
             <a:endParaRPr lang="en-US" dirty="0"/>
           </a:p>
@@ -4316,7 +4317,7 @@
           <a:p>
             <a:fld id="{9796027F-7875-4030-9381-8BD8C4F21935}" type="datetimeFigureOut">
               <a:rPr lang="en-US" dirty="0"/>
-              <a:t>12/3/2019</a:t>
+              <a:t>12/4/2019</a:t>
             </a:fld>
             <a:endParaRPr lang="en-US" dirty="0"/>
           </a:p>
@@ -4429,7 +4430,7 @@
           <a:p>
             <a:fld id="{4509A250-FF31-4206-8172-F9D3106AACB1}" type="datetimeFigureOut">
               <a:rPr lang="en-US" dirty="0"/>
-              <a:t>12/3/2019</a:t>
+              <a:t>12/4/2019</a:t>
             </a:fld>
             <a:endParaRPr lang="en-US" dirty="0"/>
           </a:p>
@@ -4519,7 +4520,7 @@
           <a:p>
             <a:fld id="{4509A250-FF31-4206-8172-F9D3106AACB1}" type="datetimeFigureOut">
               <a:rPr lang="en-US" dirty="0"/>
-              <a:t>12/3/2019</a:t>
+              <a:t>12/4/2019</a:t>
             </a:fld>
             <a:endParaRPr lang="en-US" dirty="0"/>
           </a:p>
@@ -4793,7 +4794,7 @@
           <a:p>
             <a:fld id="{4509A250-FF31-4206-8172-F9D3106AACB1}" type="datetimeFigureOut">
               <a:rPr lang="en-US" dirty="0"/>
-              <a:t>12/3/2019</a:t>
+              <a:t>12/4/2019</a:t>
             </a:fld>
             <a:endParaRPr lang="en-US" dirty="0"/>
           </a:p>
@@ -5063,7 +5064,7 @@
           <a:p>
             <a:fld id="{4509A250-FF31-4206-8172-F9D3106AACB1}" type="datetimeFigureOut">
               <a:rPr lang="en-US" dirty="0"/>
-              <a:t>12/3/2019</a:t>
+              <a:t>12/4/2019</a:t>
             </a:fld>
             <a:endParaRPr lang="en-US" dirty="0"/>
           </a:p>
@@ -5487,7 +5488,7 @@
           <a:p>
             <a:fld id="{4AAD347D-5ACD-4C99-B74B-A9C85AD731AF}" type="datetimeFigureOut">
               <a:rPr lang="en-US" dirty="0"/>
-              <a:t>12/3/2019</a:t>
+              <a:t>12/4/2019</a:t>
             </a:fld>
             <a:endParaRPr lang="en-US" dirty="0"/>
           </a:p>
@@ -6134,6 +6135,301 @@
           <a:p>
             <a:r>
               <a:rPr lang="en-SG" dirty="0" smtClean="0"/>
+              <a:t>Conclusion</a:t>
+            </a:r>
+            <a:endParaRPr lang="en-SG" dirty="0"/>
+          </a:p>
+        </p:txBody>
+      </p:sp>
+      <p:sp>
+        <p:nvSpPr>
+          <p:cNvPr id="4" name="TextBox 3"/>
+          <p:cNvSpPr txBox="1"/>
+          <p:nvPr/>
+        </p:nvSpPr>
+        <p:spPr>
+          <a:xfrm>
+            <a:off x="646111" y="5028982"/>
+            <a:ext cx="10602734" cy="1200329"/>
+          </a:xfrm>
+          <a:prstGeom prst="rect">
+            <a:avLst/>
+          </a:prstGeom>
+          <a:noFill/>
+        </p:spPr>
+        <p:txBody>
+          <a:bodyPr wrap="square" rtlCol="0">
+            <a:spAutoFit/>
+          </a:bodyPr>
+          <a:lstStyle/>
+          <a:p>
+            <a:pPr marL="285750" indent="-285750">
+              <a:buFont typeface="Arial" panose="020B0604020202020204" pitchFamily="34" charset="0"/>
+              <a:buChar char="•"/>
+            </a:pPr>
+            <a:r>
+              <a:rPr lang="en-US" b="1" spc="50" dirty="0">
+                <a:ln w="9525" cmpd="sng">
+                  <a:solidFill>
+                    <a:schemeClr val="accent1"/>
+                  </a:solidFill>
+                  <a:prstDash val="solid"/>
+                </a:ln>
+                <a:solidFill>
+                  <a:srgbClr val="70AD47">
+                    <a:tint val="1000"/>
+                  </a:srgbClr>
+                </a:solidFill>
+                <a:effectLst>
+                  <a:glow rad="38100">
+                    <a:schemeClr val="accent1">
+                      <a:alpha val="40000"/>
+                    </a:schemeClr>
+                  </a:glow>
+                </a:effectLst>
+              </a:rPr>
+              <a:t>Support Vector Machine model </a:t>
+            </a:r>
+            <a:r>
+              <a:rPr lang="en-US" dirty="0"/>
+              <a:t>performed better than other model during model training and unseen data </a:t>
+            </a:r>
+            <a:r>
+              <a:rPr lang="en-US" dirty="0" smtClean="0"/>
+              <a:t>classification. </a:t>
+            </a:r>
+          </a:p>
+          <a:p>
+            <a:pPr marL="285750" indent="-285750">
+              <a:buFont typeface="Arial" panose="020B0604020202020204" pitchFamily="34" charset="0"/>
+              <a:buChar char="•"/>
+            </a:pPr>
+            <a:r>
+              <a:rPr lang="en-US" dirty="0" smtClean="0"/>
+              <a:t>For </a:t>
+            </a:r>
+            <a:r>
+              <a:rPr lang="en-US" dirty="0"/>
+              <a:t>the problem statement able to make an automated image classifier system to replace manual image classifying process successfully.</a:t>
+            </a:r>
+            <a:endParaRPr lang="en-SG" dirty="0"/>
+          </a:p>
+        </p:txBody>
+      </p:sp>
+      <p:sp>
+        <p:nvSpPr>
+          <p:cNvPr id="5" name="TextBox 4"/>
+          <p:cNvSpPr txBox="1"/>
+          <p:nvPr/>
+        </p:nvSpPr>
+        <p:spPr>
+          <a:xfrm>
+            <a:off x="646112" y="1335663"/>
+            <a:ext cx="9049980" cy="3416320"/>
+          </a:xfrm>
+          <a:prstGeom prst="rect">
+            <a:avLst/>
+          </a:prstGeom>
+          <a:noFill/>
+        </p:spPr>
+        <p:txBody>
+          <a:bodyPr wrap="square" rtlCol="0">
+            <a:spAutoFit/>
+          </a:bodyPr>
+          <a:lstStyle/>
+          <a:p>
+            <a:r>
+              <a:rPr lang="en-US" dirty="0"/>
+              <a:t>Selected features were used to fit trained to following classification models, best estimator </a:t>
+            </a:r>
+            <a:r>
+              <a:rPr lang="en-US" dirty="0" smtClean="0"/>
+              <a:t>parameters </a:t>
+            </a:r>
+            <a:r>
+              <a:rPr lang="en-US" dirty="0"/>
+              <a:t>were obtained using grid search and predicted using test data:</a:t>
+            </a:r>
+          </a:p>
+          <a:p>
+            <a:pPr marL="285750" indent="-285750">
+              <a:buFont typeface="Arial" panose="020B0604020202020204" pitchFamily="34" charset="0"/>
+              <a:buChar char="•"/>
+            </a:pPr>
+            <a:r>
+              <a:rPr lang="en-US" dirty="0"/>
+              <a:t>Logistic </a:t>
+            </a:r>
+            <a:r>
+              <a:rPr lang="en-US" dirty="0" smtClean="0"/>
+              <a:t>Regression</a:t>
+            </a:r>
+          </a:p>
+          <a:p>
+            <a:pPr marL="285750" indent="-285750">
+              <a:buFont typeface="Arial" panose="020B0604020202020204" pitchFamily="34" charset="0"/>
+              <a:buChar char="•"/>
+            </a:pPr>
+            <a:r>
+              <a:rPr lang="en-US" dirty="0" smtClean="0"/>
+              <a:t>K </a:t>
+            </a:r>
+            <a:r>
+              <a:rPr lang="en-US" dirty="0"/>
+              <a:t>Nearest </a:t>
+            </a:r>
+            <a:r>
+              <a:rPr lang="en-US" dirty="0" smtClean="0"/>
+              <a:t>Neighbor classifier</a:t>
+            </a:r>
+          </a:p>
+          <a:p>
+            <a:pPr marL="285750" indent="-285750">
+              <a:buFont typeface="Arial" panose="020B0604020202020204" pitchFamily="34" charset="0"/>
+              <a:buChar char="•"/>
+            </a:pPr>
+            <a:r>
+              <a:rPr lang="en-US" dirty="0" smtClean="0"/>
+              <a:t>Decision </a:t>
+            </a:r>
+            <a:r>
+              <a:rPr lang="en-US" dirty="0"/>
+              <a:t>Tree </a:t>
+            </a:r>
+            <a:r>
+              <a:rPr lang="en-US" dirty="0" smtClean="0"/>
+              <a:t>Classifier</a:t>
+            </a:r>
+          </a:p>
+          <a:p>
+            <a:pPr marL="285750" indent="-285750">
+              <a:buFont typeface="Arial" panose="020B0604020202020204" pitchFamily="34" charset="0"/>
+              <a:buChar char="•"/>
+            </a:pPr>
+            <a:r>
+              <a:rPr lang="en-US" dirty="0" smtClean="0"/>
+              <a:t>Random </a:t>
+            </a:r>
+            <a:r>
+              <a:rPr lang="en-US" dirty="0"/>
+              <a:t>Forrest </a:t>
+            </a:r>
+            <a:r>
+              <a:rPr lang="en-US" dirty="0" smtClean="0"/>
+              <a:t>Classifier</a:t>
+            </a:r>
+          </a:p>
+          <a:p>
+            <a:pPr marL="285750" indent="-285750">
+              <a:buFont typeface="Arial" panose="020B0604020202020204" pitchFamily="34" charset="0"/>
+              <a:buChar char="•"/>
+            </a:pPr>
+            <a:r>
+              <a:rPr lang="en-US" dirty="0" smtClean="0"/>
+              <a:t>Extra </a:t>
+            </a:r>
+            <a:r>
+              <a:rPr lang="en-US" dirty="0"/>
+              <a:t>Tree </a:t>
+            </a:r>
+            <a:r>
+              <a:rPr lang="en-US" dirty="0" smtClean="0"/>
+              <a:t>Classifier</a:t>
+            </a:r>
+          </a:p>
+          <a:p>
+            <a:pPr marL="285750" indent="-285750">
+              <a:buFont typeface="Arial" panose="020B0604020202020204" pitchFamily="34" charset="0"/>
+              <a:buChar char="•"/>
+            </a:pPr>
+            <a:r>
+              <a:rPr lang="en-US" dirty="0" smtClean="0"/>
+              <a:t>Support </a:t>
+            </a:r>
+            <a:r>
+              <a:rPr lang="en-US" dirty="0"/>
+              <a:t>Vector </a:t>
+            </a:r>
+            <a:r>
+              <a:rPr lang="en-US" dirty="0" smtClean="0"/>
+              <a:t>Machines</a:t>
+            </a:r>
+          </a:p>
+          <a:p>
+            <a:pPr marL="285750" indent="-285750">
+              <a:buFont typeface="Arial" panose="020B0604020202020204" pitchFamily="34" charset="0"/>
+              <a:buChar char="•"/>
+            </a:pPr>
+            <a:endParaRPr lang="en-US" dirty="0"/>
+          </a:p>
+          <a:p>
+            <a:r>
+              <a:rPr lang="en-US" dirty="0"/>
+              <a:t>Extra Tree Classifier and Support Vector Machine models had good </a:t>
+            </a:r>
+            <a:r>
+              <a:rPr lang="en-US" dirty="0" smtClean="0"/>
+              <a:t>category accuracy </a:t>
+            </a:r>
+            <a:r>
+              <a:rPr lang="en-US" dirty="0"/>
+              <a:t>of 100% and f1 score of 1 with over all accuracy at 99.9</a:t>
+            </a:r>
+            <a:r>
+              <a:rPr lang="en-US" dirty="0" smtClean="0"/>
+              <a:t>%.</a:t>
+            </a:r>
+            <a:endParaRPr lang="en-US" dirty="0"/>
+          </a:p>
+        </p:txBody>
+      </p:sp>
+    </p:spTree>
+    <p:extLst>
+      <p:ext uri="{BB962C8B-B14F-4D97-AF65-F5344CB8AC3E}">
+        <p14:creationId xmlns:p14="http://schemas.microsoft.com/office/powerpoint/2010/main" val="4157506897"/>
+      </p:ext>
+    </p:extLst>
+  </p:cSld>
+  <p:clrMapOvr>
+    <a:masterClrMapping/>
+  </p:clrMapOvr>
+</p:sld>
+</file>
+
+<file path=ppt/slides/slide11.xml><?xml version="1.0" encoding="utf-8"?>
+<p:sld xmlns:a="http://schemas.openxmlformats.org/drawingml/2006/main" xmlns:r="http://schemas.openxmlformats.org/officeDocument/2006/relationships" xmlns:p="http://schemas.openxmlformats.org/presentationml/2006/main">
+  <p:cSld>
+    <p:spTree>
+      <p:nvGrpSpPr>
+        <p:cNvPr id="1" name=""/>
+        <p:cNvGrpSpPr/>
+        <p:nvPr/>
+      </p:nvGrpSpPr>
+      <p:grpSpPr>
+        <a:xfrm>
+          <a:off x="0" y="0"/>
+          <a:ext cx="0" cy="0"/>
+          <a:chOff x="0" y="0"/>
+          <a:chExt cx="0" cy="0"/>
+        </a:xfrm>
+      </p:grpSpPr>
+      <p:sp>
+        <p:nvSpPr>
+          <p:cNvPr id="2" name="Title 1"/>
+          <p:cNvSpPr>
+            <a:spLocks noGrp="1"/>
+          </p:cNvSpPr>
+          <p:nvPr>
+            <p:ph type="title"/>
+          </p:nvPr>
+        </p:nvSpPr>
+        <p:spPr/>
+        <p:txBody>
+          <a:bodyPr/>
+          <a:lstStyle/>
+          <a:p>
+            <a:r>
+              <a:rPr lang="en-SG" dirty="0" smtClean="0"/>
               <a:t>Deployment</a:t>
             </a:r>
             <a:endParaRPr lang="en-SG" dirty="0"/>
@@ -7244,147 +7540,256 @@
           <a:p>
             <a:r>
               <a:rPr lang="en-SG" dirty="0" smtClean="0"/>
-              <a:t>Technology Selection</a:t>
+              <a:t>Categories to Classify</a:t>
             </a:r>
             <a:endParaRPr lang="en-SG" dirty="0"/>
           </a:p>
         </p:txBody>
       </p:sp>
-      <p:sp>
-        <p:nvSpPr>
-          <p:cNvPr id="4" name="TextBox 3"/>
-          <p:cNvSpPr txBox="1"/>
+      <p:pic>
+        <p:nvPicPr>
+          <p:cNvPr id="4" name="Picture 3"/>
+          <p:cNvPicPr>
+            <a:picLocks noChangeAspect="1"/>
+          </p:cNvPicPr>
           <p:nvPr/>
-        </p:nvSpPr>
-        <p:spPr>
-          <a:xfrm>
-            <a:off x="646111" y="1377364"/>
-            <a:ext cx="10433815" cy="4985980"/>
+        </p:nvPicPr>
+        <p:blipFill>
+          <a:blip r:embed="rId2">
+            <a:extLst>
+              <a:ext uri="{28A0092B-C50C-407E-A947-70E740481C1C}">
+                <a14:useLocalDpi xmlns:a14="http://schemas.microsoft.com/office/drawing/2010/main" val="0"/>
+              </a:ext>
+            </a:extLst>
+          </a:blip>
+          <a:stretch>
+            <a:fillRect/>
+          </a:stretch>
+        </p:blipFill>
+        <p:spPr>
+          <a:xfrm>
+            <a:off x="363326" y="1707059"/>
+            <a:ext cx="2561786" cy="1691745"/>
           </a:xfrm>
           <a:prstGeom prst="rect">
             <a:avLst/>
           </a:prstGeom>
-          <a:noFill/>
-        </p:spPr>
-        <p:txBody>
-          <a:bodyPr wrap="square" rtlCol="0">
-            <a:spAutoFit/>
-          </a:bodyPr>
-          <a:lstStyle/>
-          <a:p>
-            <a:pPr>
-              <a:lnSpc>
-                <a:spcPct val="150000"/>
-              </a:lnSpc>
-            </a:pPr>
-            <a:r>
-              <a:rPr lang="en-US" sz="2000" dirty="0"/>
-              <a:t>There were two technology path to take when it comes to building a model to classify image </a:t>
-            </a:r>
-            <a:r>
-              <a:rPr lang="en-US" sz="2000" dirty="0" smtClean="0"/>
-              <a:t>data</a:t>
-            </a:r>
-            <a:endParaRPr lang="en-US" sz="2000" dirty="0"/>
-          </a:p>
-          <a:p>
-            <a:pPr>
-              <a:lnSpc>
-                <a:spcPct val="150000"/>
-              </a:lnSpc>
-            </a:pPr>
-            <a:endParaRPr lang="en-US" sz="2000" dirty="0"/>
-          </a:p>
-          <a:p>
-            <a:pPr marL="342900" indent="-342900">
-              <a:lnSpc>
-                <a:spcPct val="150000"/>
-              </a:lnSpc>
-              <a:buFont typeface="+mj-lt"/>
-              <a:buAutoNum type="arabicPeriod"/>
-            </a:pPr>
-            <a:r>
-              <a:rPr lang="en-US" sz="2000" dirty="0"/>
-              <a:t>Machine </a:t>
-            </a:r>
-            <a:r>
-              <a:rPr lang="en-US" sz="2000" dirty="0" smtClean="0"/>
-              <a:t>Learning</a:t>
-            </a:r>
-          </a:p>
-          <a:p>
-            <a:pPr marL="342900" indent="-342900">
-              <a:lnSpc>
-                <a:spcPct val="150000"/>
-              </a:lnSpc>
-              <a:buFont typeface="+mj-lt"/>
-              <a:buAutoNum type="arabicPeriod"/>
-            </a:pPr>
-            <a:r>
-              <a:rPr lang="en-US" sz="2000" dirty="0" smtClean="0"/>
-              <a:t>Deep Learning</a:t>
-            </a:r>
-          </a:p>
-          <a:p>
-            <a:pPr>
-              <a:lnSpc>
-                <a:spcPct val="150000"/>
-              </a:lnSpc>
-            </a:pPr>
-            <a:endParaRPr lang="en-US" sz="2000" dirty="0"/>
-          </a:p>
-          <a:p>
-            <a:pPr>
-              <a:lnSpc>
-                <a:spcPct val="150000"/>
-              </a:lnSpc>
-            </a:pPr>
-            <a:r>
-              <a:rPr lang="en-US" sz="2000" dirty="0"/>
-              <a:t>Machine learning triumphed Deep learning when if come down to interpretability of the outcome. </a:t>
-            </a:r>
-            <a:endParaRPr lang="en-US" sz="2000" dirty="0" smtClean="0"/>
-          </a:p>
-          <a:p>
-            <a:pPr>
-              <a:lnSpc>
-                <a:spcPct val="150000"/>
-              </a:lnSpc>
-            </a:pPr>
-            <a:r>
-              <a:rPr lang="en-US" sz="2000" dirty="0" smtClean="0"/>
-              <a:t>In </a:t>
-            </a:r>
-            <a:r>
-              <a:rPr lang="en-US" sz="2000" dirty="0"/>
-              <a:t>machine learning outcome can be interpreted by the features selected to use. </a:t>
-            </a:r>
-            <a:endParaRPr lang="en-US" sz="2000" dirty="0" smtClean="0"/>
-          </a:p>
-          <a:p>
-            <a:pPr>
-              <a:lnSpc>
-                <a:spcPct val="150000"/>
-              </a:lnSpc>
-            </a:pPr>
-            <a:r>
-              <a:rPr lang="en-US" sz="2000" dirty="0" smtClean="0"/>
-              <a:t>And </a:t>
-            </a:r>
-            <a:r>
-              <a:rPr lang="en-US" sz="2000" dirty="0"/>
-              <a:t>features can be optimized or new features can be introduced.</a:t>
-            </a:r>
-          </a:p>
-          <a:p>
-            <a:endParaRPr lang="en-SG" dirty="0"/>
-          </a:p>
-        </p:txBody>
-      </p:sp>
+        </p:spPr>
+      </p:pic>
+      <p:pic>
+        <p:nvPicPr>
+          <p:cNvPr id="5" name="Picture 4"/>
+          <p:cNvPicPr>
+            <a:picLocks noChangeAspect="1"/>
+          </p:cNvPicPr>
+          <p:nvPr/>
+        </p:nvPicPr>
+        <p:blipFill>
+          <a:blip r:embed="rId3">
+            <a:extLst>
+              <a:ext uri="{28A0092B-C50C-407E-A947-70E740481C1C}">
+                <a14:useLocalDpi xmlns:a14="http://schemas.microsoft.com/office/drawing/2010/main" val="0"/>
+              </a:ext>
+            </a:extLst>
+          </a:blip>
+          <a:stretch>
+            <a:fillRect/>
+          </a:stretch>
+        </p:blipFill>
+        <p:spPr>
+          <a:xfrm>
+            <a:off x="3346241" y="1707060"/>
+            <a:ext cx="2548933" cy="1691745"/>
+          </a:xfrm>
+          <a:prstGeom prst="rect">
+            <a:avLst/>
+          </a:prstGeom>
+        </p:spPr>
+      </p:pic>
+      <p:pic>
+        <p:nvPicPr>
+          <p:cNvPr id="6" name="Picture 5"/>
+          <p:cNvPicPr>
+            <a:picLocks noChangeAspect="1"/>
+          </p:cNvPicPr>
+          <p:nvPr/>
+        </p:nvPicPr>
+        <p:blipFill>
+          <a:blip r:embed="rId4">
+            <a:extLst>
+              <a:ext uri="{28A0092B-C50C-407E-A947-70E740481C1C}">
+                <a14:useLocalDpi xmlns:a14="http://schemas.microsoft.com/office/drawing/2010/main" val="0"/>
+              </a:ext>
+            </a:extLst>
+          </a:blip>
+          <a:stretch>
+            <a:fillRect/>
+          </a:stretch>
+        </p:blipFill>
+        <p:spPr>
+          <a:xfrm>
+            <a:off x="6279751" y="1707061"/>
+            <a:ext cx="2494701" cy="1691745"/>
+          </a:xfrm>
+          <a:prstGeom prst="rect">
+            <a:avLst/>
+          </a:prstGeom>
+        </p:spPr>
+      </p:pic>
+      <p:pic>
+        <p:nvPicPr>
+          <p:cNvPr id="7" name="Picture 6"/>
+          <p:cNvPicPr>
+            <a:picLocks noChangeAspect="1"/>
+          </p:cNvPicPr>
+          <p:nvPr/>
+        </p:nvPicPr>
+        <p:blipFill>
+          <a:blip r:embed="rId5">
+            <a:extLst>
+              <a:ext uri="{28A0092B-C50C-407E-A947-70E740481C1C}">
+                <a14:useLocalDpi xmlns:a14="http://schemas.microsoft.com/office/drawing/2010/main" val="0"/>
+              </a:ext>
+            </a:extLst>
+          </a:blip>
+          <a:stretch>
+            <a:fillRect/>
+          </a:stretch>
+        </p:blipFill>
+        <p:spPr>
+          <a:xfrm>
+            <a:off x="9159029" y="1707062"/>
+            <a:ext cx="2486562" cy="1691745"/>
+          </a:xfrm>
+          <a:prstGeom prst="rect">
+            <a:avLst/>
+          </a:prstGeom>
+        </p:spPr>
+      </p:pic>
+      <p:pic>
+        <p:nvPicPr>
+          <p:cNvPr id="8" name="Picture 7"/>
+          <p:cNvPicPr>
+            <a:picLocks noChangeAspect="1"/>
+          </p:cNvPicPr>
+          <p:nvPr/>
+        </p:nvPicPr>
+        <p:blipFill>
+          <a:blip r:embed="rId6">
+            <a:extLst>
+              <a:ext uri="{28A0092B-C50C-407E-A947-70E740481C1C}">
+                <a14:useLocalDpi xmlns:a14="http://schemas.microsoft.com/office/drawing/2010/main" val="0"/>
+              </a:ext>
+            </a:extLst>
+          </a:blip>
+          <a:stretch>
+            <a:fillRect/>
+          </a:stretch>
+        </p:blipFill>
+        <p:spPr>
+          <a:xfrm>
+            <a:off x="363326" y="4109479"/>
+            <a:ext cx="2561786" cy="1725865"/>
+          </a:xfrm>
+          <a:prstGeom prst="rect">
+            <a:avLst/>
+          </a:prstGeom>
+        </p:spPr>
+      </p:pic>
+      <p:pic>
+        <p:nvPicPr>
+          <p:cNvPr id="9" name="Picture 8"/>
+          <p:cNvPicPr>
+            <a:picLocks noChangeAspect="1"/>
+          </p:cNvPicPr>
+          <p:nvPr/>
+        </p:nvPicPr>
+        <p:blipFill>
+          <a:blip r:embed="rId7">
+            <a:extLst>
+              <a:ext uri="{28A0092B-C50C-407E-A947-70E740481C1C}">
+                <a14:useLocalDpi xmlns:a14="http://schemas.microsoft.com/office/drawing/2010/main" val="0"/>
+              </a:ext>
+            </a:extLst>
+          </a:blip>
+          <a:stretch>
+            <a:fillRect/>
+          </a:stretch>
+        </p:blipFill>
+        <p:spPr>
+          <a:xfrm>
+            <a:off x="3378007" y="4109479"/>
+            <a:ext cx="2517167" cy="1723161"/>
+          </a:xfrm>
+          <a:prstGeom prst="rect">
+            <a:avLst/>
+          </a:prstGeom>
+        </p:spPr>
+      </p:pic>
+      <p:pic>
+        <p:nvPicPr>
+          <p:cNvPr id="10" name="Picture 9"/>
+          <p:cNvPicPr>
+            <a:picLocks noChangeAspect="1"/>
+          </p:cNvPicPr>
+          <p:nvPr/>
+        </p:nvPicPr>
+        <p:blipFill>
+          <a:blip r:embed="rId8">
+            <a:extLst>
+              <a:ext uri="{28A0092B-C50C-407E-A947-70E740481C1C}">
+                <a14:useLocalDpi xmlns:a14="http://schemas.microsoft.com/office/drawing/2010/main" val="0"/>
+              </a:ext>
+            </a:extLst>
+          </a:blip>
+          <a:stretch>
+            <a:fillRect/>
+          </a:stretch>
+        </p:blipFill>
+        <p:spPr>
+          <a:xfrm>
+            <a:off x="6208347" y="4109479"/>
+            <a:ext cx="2566105" cy="1723161"/>
+          </a:xfrm>
+          <a:prstGeom prst="rect">
+            <a:avLst/>
+          </a:prstGeom>
+        </p:spPr>
+      </p:pic>
+      <p:pic>
+        <p:nvPicPr>
+          <p:cNvPr id="11" name="Picture 10"/>
+          <p:cNvPicPr>
+            <a:picLocks noChangeAspect="1"/>
+          </p:cNvPicPr>
+          <p:nvPr/>
+        </p:nvPicPr>
+        <p:blipFill>
+          <a:blip r:embed="rId9">
+            <a:extLst>
+              <a:ext uri="{28A0092B-C50C-407E-A947-70E740481C1C}">
+                <a14:useLocalDpi xmlns:a14="http://schemas.microsoft.com/office/drawing/2010/main" val="0"/>
+              </a:ext>
+            </a:extLst>
+          </a:blip>
+          <a:stretch>
+            <a:fillRect/>
+          </a:stretch>
+        </p:blipFill>
+        <p:spPr>
+          <a:xfrm>
+            <a:off x="9159029" y="4109479"/>
+            <a:ext cx="2577574" cy="1723161"/>
+          </a:xfrm>
+          <a:prstGeom prst="rect">
+            <a:avLst/>
+          </a:prstGeom>
+        </p:spPr>
+      </p:pic>
     </p:spTree>
     <p:extLst>
       <p:ext uri="{BB962C8B-B14F-4D97-AF65-F5344CB8AC3E}">
-        <p14:creationId xmlns:p14="http://schemas.microsoft.com/office/powerpoint/2010/main" val="876736327"/>
+        <p14:creationId xmlns:p14="http://schemas.microsoft.com/office/powerpoint/2010/main" val="1501355268"/>
       </p:ext>
     </p:extLst>
   </p:cSld>
@@ -7428,7 +7833,7 @@
           <a:p>
             <a:r>
               <a:rPr lang="en-SG" dirty="0" smtClean="0"/>
-              <a:t>Features</a:t>
+              <a:t>Technology Selection</a:t>
             </a:r>
             <a:endParaRPr lang="en-SG" dirty="0"/>
           </a:p>
@@ -7442,8 +7847,8 @@
         </p:nvSpPr>
         <p:spPr>
           <a:xfrm>
-            <a:off x="646111" y="1639019"/>
-            <a:ext cx="10831294" cy="1231106"/>
+            <a:off x="646111" y="1377364"/>
+            <a:ext cx="10433815" cy="4985980"/>
           </a:xfrm>
           <a:prstGeom prst="rect">
             <a:avLst/>
@@ -7456,146 +7861,151 @@
           </a:bodyPr>
           <a:lstStyle/>
           <a:p>
-            <a:r>
-              <a:rPr lang="en-US" sz="1400" b="1" dirty="0"/>
-              <a:t>Local Binary Pattern (LBP)</a:t>
-            </a:r>
-          </a:p>
-          <a:p>
-            <a:r>
-              <a:rPr lang="en-US" sz="1400" dirty="0"/>
-              <a:t>Local Binary Pattern (LBP) is a simple yet very efficient texture operator which labels the pixels of an image by thresholding the neighborhood of each pixel and considers the result as a binary number. It was first described in 1994 (LBP) and has since been found to be a powerful feature for texture classification.</a:t>
-            </a:r>
+            <a:pPr>
+              <a:lnSpc>
+                <a:spcPct val="150000"/>
+              </a:lnSpc>
+            </a:pPr>
+            <a:r>
+              <a:rPr lang="en-US" sz="2000" dirty="0"/>
+              <a:t>There were two technology </a:t>
+            </a:r>
+            <a:r>
+              <a:rPr lang="en-US" sz="2000" dirty="0" smtClean="0"/>
+              <a:t>paths considered when </a:t>
+            </a:r>
+            <a:r>
+              <a:rPr lang="en-US" sz="2000" dirty="0"/>
+              <a:t>it </a:t>
+            </a:r>
+            <a:r>
+              <a:rPr lang="en-US" sz="2000" dirty="0" smtClean="0"/>
+              <a:t>came </a:t>
+            </a:r>
+            <a:r>
+              <a:rPr lang="en-US" sz="2000" dirty="0"/>
+              <a:t>to building a model to classify image </a:t>
+            </a:r>
+            <a:r>
+              <a:rPr lang="en-US" sz="2000" dirty="0" smtClean="0"/>
+              <a:t>data</a:t>
+            </a:r>
+            <a:endParaRPr lang="en-US" sz="2000" dirty="0"/>
+          </a:p>
+          <a:p>
+            <a:pPr>
+              <a:lnSpc>
+                <a:spcPct val="150000"/>
+              </a:lnSpc>
+            </a:pPr>
+            <a:endParaRPr lang="en-US" sz="2000" dirty="0"/>
+          </a:p>
+          <a:p>
+            <a:pPr marL="342900" indent="-342900">
+              <a:lnSpc>
+                <a:spcPct val="150000"/>
+              </a:lnSpc>
+              <a:buFont typeface="+mj-lt"/>
+              <a:buAutoNum type="arabicPeriod"/>
+            </a:pPr>
+            <a:r>
+              <a:rPr lang="en-US" sz="2000" dirty="0"/>
+              <a:t>Machine </a:t>
+            </a:r>
+            <a:r>
+              <a:rPr lang="en-US" sz="2000" dirty="0" smtClean="0"/>
+              <a:t>Learning</a:t>
+            </a:r>
+          </a:p>
+          <a:p>
+            <a:pPr marL="342900" indent="-342900">
+              <a:lnSpc>
+                <a:spcPct val="150000"/>
+              </a:lnSpc>
+              <a:buFont typeface="+mj-lt"/>
+              <a:buAutoNum type="arabicPeriod"/>
+            </a:pPr>
+            <a:r>
+              <a:rPr lang="en-US" sz="2000" dirty="0" smtClean="0"/>
+              <a:t>Deep Learning</a:t>
+            </a:r>
+          </a:p>
+          <a:p>
+            <a:pPr>
+              <a:lnSpc>
+                <a:spcPct val="150000"/>
+              </a:lnSpc>
+            </a:pPr>
+            <a:endParaRPr lang="en-US" sz="2000" dirty="0"/>
+          </a:p>
+          <a:p>
+            <a:pPr>
+              <a:lnSpc>
+                <a:spcPct val="150000"/>
+              </a:lnSpc>
+            </a:pPr>
+            <a:r>
+              <a:rPr lang="en-US" sz="2000" dirty="0"/>
+              <a:t>Machine learning </a:t>
+            </a:r>
+            <a:r>
+              <a:rPr lang="en-US" sz="2000" dirty="0" smtClean="0"/>
+              <a:t>models were chosen over deep learning.</a:t>
+            </a:r>
+            <a:endParaRPr lang="en-US" sz="2000" dirty="0" smtClean="0"/>
+          </a:p>
+          <a:p>
+            <a:pPr marL="342900" indent="-342900">
+              <a:lnSpc>
+                <a:spcPct val="150000"/>
+              </a:lnSpc>
+              <a:buFont typeface="Arial" panose="020B0604020202020204" pitchFamily="34" charset="0"/>
+              <a:buChar char="•"/>
+            </a:pPr>
+            <a:r>
+              <a:rPr lang="en-US" sz="2000" dirty="0" smtClean="0"/>
+              <a:t>In </a:t>
+            </a:r>
+            <a:r>
+              <a:rPr lang="en-US" sz="2000" dirty="0"/>
+              <a:t>machine learning outcome can be interpreted by the features selected to use. </a:t>
+            </a:r>
+            <a:r>
+              <a:rPr lang="en-US" sz="2000" dirty="0" smtClean="0"/>
+              <a:t>And </a:t>
+            </a:r>
+            <a:r>
+              <a:rPr lang="en-US" sz="2000" dirty="0"/>
+              <a:t>features can be optimized or new features can be introduced</a:t>
+            </a:r>
+            <a:r>
+              <a:rPr lang="en-US" sz="2000" dirty="0" smtClean="0"/>
+              <a:t>.</a:t>
+            </a:r>
+          </a:p>
+          <a:p>
+            <a:pPr marL="342900" indent="-342900">
+              <a:lnSpc>
+                <a:spcPct val="150000"/>
+              </a:lnSpc>
+              <a:buFont typeface="Arial" panose="020B0604020202020204" pitchFamily="34" charset="0"/>
+              <a:buChar char="•"/>
+            </a:pPr>
+            <a:r>
+              <a:rPr lang="en-US" sz="2000" dirty="0" smtClean="0"/>
+              <a:t>Lack of GPU resource to train deep learning models.</a:t>
+            </a:r>
+            <a:endParaRPr lang="en-US" sz="2000" dirty="0"/>
           </a:p>
           <a:p>
             <a:endParaRPr lang="en-SG" dirty="0"/>
           </a:p>
         </p:txBody>
       </p:sp>
-      <p:pic>
-        <p:nvPicPr>
-          <p:cNvPr id="1026" name="Picture 2" descr="https://camo.githubusercontent.com/4b226919a406e99194b431c58555c1eaf3e594df/68747470733a2f2f6d69726f2e6d656469756d2e636f6d2f6d61782f3833342f312a4a31365f444b7553726e41483357446471774b654e412e706e67"/>
-          <p:cNvPicPr>
-            <a:picLocks noChangeAspect="1" noChangeArrowheads="1"/>
-          </p:cNvPicPr>
-          <p:nvPr/>
-        </p:nvPicPr>
-        <p:blipFill>
-          <a:blip r:embed="rId2">
-            <a:extLst>
-              <a:ext uri="{28A0092B-C50C-407E-A947-70E740481C1C}">
-                <a14:useLocalDpi xmlns:a14="http://schemas.microsoft.com/office/drawing/2010/main" val="0"/>
-              </a:ext>
-            </a:extLst>
-          </a:blip>
-          <a:srcRect/>
-          <a:stretch>
-            <a:fillRect/>
-          </a:stretch>
-        </p:blipFill>
-        <p:spPr bwMode="auto">
-          <a:xfrm>
-            <a:off x="741002" y="2547957"/>
-            <a:ext cx="4426221" cy="1234299"/>
-          </a:xfrm>
-          <a:prstGeom prst="rect">
-            <a:avLst/>
-          </a:prstGeom>
-          <a:noFill/>
-          <a:extLst>
-            <a:ext uri="{909E8E84-426E-40DD-AFC4-6F175D3DCCD1}">
-              <a14:hiddenFill xmlns:a14="http://schemas.microsoft.com/office/drawing/2010/main">
-                <a:solidFill>
-                  <a:srgbClr val="FFFFFF"/>
-                </a:solidFill>
-              </a14:hiddenFill>
-            </a:ext>
-          </a:extLst>
-        </p:spPr>
-      </p:pic>
-      <p:sp>
-        <p:nvSpPr>
-          <p:cNvPr id="6" name="TextBox 5"/>
-          <p:cNvSpPr txBox="1"/>
-          <p:nvPr/>
-        </p:nvSpPr>
-        <p:spPr>
-          <a:xfrm>
-            <a:off x="646111" y="4056426"/>
-            <a:ext cx="10681658" cy="1231106"/>
-          </a:xfrm>
-          <a:prstGeom prst="rect">
-            <a:avLst/>
-          </a:prstGeom>
-          <a:noFill/>
-        </p:spPr>
-        <p:txBody>
-          <a:bodyPr wrap="square" rtlCol="0">
-            <a:spAutoFit/>
-          </a:bodyPr>
-          <a:lstStyle/>
-          <a:p>
-            <a:r>
-              <a:rPr lang="en-US" sz="1400" b="1" dirty="0"/>
-              <a:t>Gabor filter</a:t>
-            </a:r>
-          </a:p>
-          <a:p>
-            <a:r>
-              <a:rPr lang="en-US" sz="1400" dirty="0"/>
-              <a:t>In image processing, a Gabor filter, named after Dennis Gabor, is a linear filter used for texture analysis, which means that it basically analyzes whether there are any specific frequency content in the image in specific directions in a localized region around the point or region of analysis.</a:t>
-            </a:r>
-          </a:p>
-          <a:p>
-            <a:endParaRPr lang="en-SG" dirty="0"/>
-          </a:p>
-        </p:txBody>
-      </p:sp>
-      <p:pic>
-        <p:nvPicPr>
-          <p:cNvPr id="1028" name="Picture 4" descr="https://camo.githubusercontent.com/072a2785cb67cc84b7713b2d82610ff90d0272e6/68747470733a2f2f75706c6f61642e77696b696d656469612e6f72672f77696b6970656469612f636f6d6d6f6e732f7468756d622f622f62352f4761626f722d6f63722e706e672f3132383070782d4761626f722d6f63722e706e67"/>
-          <p:cNvPicPr>
-            <a:picLocks noChangeAspect="1" noChangeArrowheads="1"/>
-          </p:cNvPicPr>
-          <p:nvPr/>
-        </p:nvPicPr>
-        <p:blipFill>
-          <a:blip r:embed="rId3">
-            <a:extLst>
-              <a:ext uri="{28A0092B-C50C-407E-A947-70E740481C1C}">
-                <a14:useLocalDpi xmlns:a14="http://schemas.microsoft.com/office/drawing/2010/main" val="0"/>
-              </a:ext>
-            </a:extLst>
-          </a:blip>
-          <a:srcRect/>
-          <a:stretch>
-            <a:fillRect/>
-          </a:stretch>
-        </p:blipFill>
-        <p:spPr bwMode="auto">
-          <a:xfrm>
-            <a:off x="741002" y="5122132"/>
-            <a:ext cx="2416266" cy="1610215"/>
-          </a:xfrm>
-          <a:prstGeom prst="rect">
-            <a:avLst/>
-          </a:prstGeom>
-          <a:noFill/>
-          <a:extLst>
-            <a:ext uri="{909E8E84-426E-40DD-AFC4-6F175D3DCCD1}">
-              <a14:hiddenFill xmlns:a14="http://schemas.microsoft.com/office/drawing/2010/main">
-                <a:solidFill>
-                  <a:srgbClr val="FFFFFF"/>
-                </a:solidFill>
-              </a14:hiddenFill>
-            </a:ext>
-          </a:extLst>
-        </p:spPr>
-      </p:pic>
     </p:spTree>
     <p:extLst>
       <p:ext uri="{BB962C8B-B14F-4D97-AF65-F5344CB8AC3E}">
-        <p14:creationId xmlns:p14="http://schemas.microsoft.com/office/powerpoint/2010/main" val="1367316683"/>
+        <p14:creationId xmlns:p14="http://schemas.microsoft.com/office/powerpoint/2010/main" val="876736327"/>
       </p:ext>
     </p:extLst>
   </p:cSld>
@@ -7638,9 +8048,10 @@
           <a:lstStyle/>
           <a:p>
             <a:r>
-              <a:rPr lang="en-SG" dirty="0"/>
+              <a:rPr lang="en-SG" dirty="0" smtClean="0"/>
               <a:t>Features</a:t>
             </a:r>
+            <a:endParaRPr lang="en-SG" dirty="0"/>
           </a:p>
         </p:txBody>
       </p:sp>
@@ -7652,8 +8063,8 @@
         </p:nvSpPr>
         <p:spPr>
           <a:xfrm>
-            <a:off x="810885" y="1647645"/>
-            <a:ext cx="10038824" cy="1661993"/>
+            <a:off x="646111" y="1639019"/>
+            <a:ext cx="10831294" cy="1231106"/>
           </a:xfrm>
           <a:prstGeom prst="rect">
             <a:avLst/>
@@ -7668,21 +8079,13 @@
           <a:p>
             <a:r>
               <a:rPr lang="en-US" sz="1400" b="1" dirty="0"/>
-              <a:t>Co-occurrence matrix</a:t>
+              <a:t>Local Binary Pattern (LBP)</a:t>
             </a:r>
           </a:p>
           <a:p>
             <a:r>
               <a:rPr lang="en-US" sz="1400" dirty="0"/>
-              <a:t>The </a:t>
-            </a:r>
-            <a:r>
-              <a:rPr lang="en-US" sz="1400" dirty="0" err="1"/>
-              <a:t>graylevel</a:t>
-            </a:r>
-            <a:r>
-              <a:rPr lang="en-US" sz="1400" dirty="0"/>
-              <a:t> co-occurrence matrix approach also frequently called the spatial gray level dependence matrix (SGLDM) approach is based on studies of the statistics of pixel intensity distributions. As hinted above with regard to the variance in pixel intensity values, single pixel statistics do not provide rich enough descriptions of textures for practical applications. Thus it is natural to consider the second-order statistics obtained by considering pairs of pixels in certain spatial relations to each</a:t>
+              <a:t>Local Binary Pattern (LBP) is a simple yet very efficient texture operator which labels the pixels of an image by thresholding the neighborhood of each pixel and considers the result as a binary number. It was first described in 1994 (LBP) and has since been found to be a powerful feature for texture classification.</a:t>
             </a:r>
           </a:p>
           <a:p>
@@ -7692,7 +8095,7 @@
       </p:sp>
       <p:pic>
         <p:nvPicPr>
-          <p:cNvPr id="2050" name="Picture 2" descr="https://camo.githubusercontent.com/62d4ddfbaea9c824e11d89432f7bf5431aebdf57/68747470733a2f2f7777772e6d617468776f726b732e636f6d2f68656c702f696d616765732f656e68616e636532362e676966"/>
+          <p:cNvPr id="1026" name="Picture 2" descr="https://camo.githubusercontent.com/4b226919a406e99194b431c58555c1eaf3e594df/68747470733a2f2f6d69726f2e6d656469756d2e636f6d2f6d61782f3833342f312a4a31365f444b7553726e41483357446471774b654e412e706e67"/>
           <p:cNvPicPr>
             <a:picLocks noChangeAspect="1" noChangeArrowheads="1"/>
           </p:cNvPicPr>
@@ -7713,8 +8116,8 @@
         </p:blipFill>
         <p:spPr bwMode="auto">
           <a:xfrm>
-            <a:off x="810885" y="3301012"/>
-            <a:ext cx="4057650" cy="2066925"/>
+            <a:off x="741002" y="2547957"/>
+            <a:ext cx="4426221" cy="1234299"/>
           </a:xfrm>
           <a:prstGeom prst="rect">
             <a:avLst/>
@@ -7731,10 +8134,89 @@
           </a:extLst>
         </p:spPr>
       </p:pic>
+      <p:sp>
+        <p:nvSpPr>
+          <p:cNvPr id="6" name="TextBox 5"/>
+          <p:cNvSpPr txBox="1"/>
+          <p:nvPr/>
+        </p:nvSpPr>
+        <p:spPr>
+          <a:xfrm>
+            <a:off x="646111" y="4056426"/>
+            <a:ext cx="10681658" cy="1231106"/>
+          </a:xfrm>
+          <a:prstGeom prst="rect">
+            <a:avLst/>
+          </a:prstGeom>
+          <a:noFill/>
+        </p:spPr>
+        <p:txBody>
+          <a:bodyPr wrap="square" rtlCol="0">
+            <a:spAutoFit/>
+          </a:bodyPr>
+          <a:lstStyle/>
+          <a:p>
+            <a:r>
+              <a:rPr lang="en-US" sz="1400" b="1" dirty="0"/>
+              <a:t>Gabor filter</a:t>
+            </a:r>
+          </a:p>
+          <a:p>
+            <a:r>
+              <a:rPr lang="en-US" sz="1400" dirty="0"/>
+              <a:t>In image processing, a Gabor filter, named after Dennis Gabor, is a linear filter used for texture analysis, which means that it basically analyzes whether there are any specific frequency content in the image in specific directions in a localized region around the point or region of analysis.</a:t>
+            </a:r>
+          </a:p>
+          <a:p>
+            <a:endParaRPr lang="en-SG" dirty="0"/>
+          </a:p>
+        </p:txBody>
+      </p:sp>
+      <p:pic>
+        <p:nvPicPr>
+          <p:cNvPr id="1028" name="Picture 4" descr="https://camo.githubusercontent.com/072a2785cb67cc84b7713b2d82610ff90d0272e6/68747470733a2f2f75706c6f61642e77696b696d656469612e6f72672f77696b6970656469612f636f6d6d6f6e732f7468756d622f622f62352f4761626f722d6f63722e706e672f3132383070782d4761626f722d6f63722e706e67"/>
+          <p:cNvPicPr>
+            <a:picLocks noChangeAspect="1" noChangeArrowheads="1"/>
+          </p:cNvPicPr>
+          <p:nvPr/>
+        </p:nvPicPr>
+        <p:blipFill>
+          <a:blip r:embed="rId3">
+            <a:extLst>
+              <a:ext uri="{28A0092B-C50C-407E-A947-70E740481C1C}">
+                <a14:useLocalDpi xmlns:a14="http://schemas.microsoft.com/office/drawing/2010/main" val="0"/>
+              </a:ext>
+            </a:extLst>
+          </a:blip>
+          <a:srcRect/>
+          <a:stretch>
+            <a:fillRect/>
+          </a:stretch>
+        </p:blipFill>
+        <p:spPr bwMode="auto">
+          <a:xfrm>
+            <a:off x="741002" y="5122132"/>
+            <a:ext cx="2416266" cy="1610215"/>
+          </a:xfrm>
+          <a:prstGeom prst="rect">
+            <a:avLst/>
+          </a:prstGeom>
+          <a:noFill/>
+          <a:extLst>
+            <a:ext uri="{909E8E84-426E-40DD-AFC4-6F175D3DCCD1}">
+              <a14:hiddenFill xmlns:a14="http://schemas.microsoft.com/office/drawing/2010/main">
+                <a:solidFill>
+                  <a:srgbClr val="FFFFFF"/>
+                </a:solidFill>
+              </a14:hiddenFill>
+            </a:ext>
+          </a:extLst>
+        </p:spPr>
+      </p:pic>
     </p:spTree>
     <p:extLst>
       <p:ext uri="{BB962C8B-B14F-4D97-AF65-F5344CB8AC3E}">
-        <p14:creationId xmlns:p14="http://schemas.microsoft.com/office/powerpoint/2010/main" val="1874488437"/>
+        <p14:creationId xmlns:p14="http://schemas.microsoft.com/office/powerpoint/2010/main" val="1367316683"/>
       </p:ext>
     </p:extLst>
   </p:cSld>
@@ -7777,10 +8259,9 @@
           <a:lstStyle/>
           <a:p>
             <a:r>
-              <a:rPr lang="en-SG" dirty="0" smtClean="0"/>
-              <a:t>Conclusion</a:t>
-            </a:r>
-            <a:endParaRPr lang="en-SG" dirty="0"/>
+              <a:rPr lang="en-SG" dirty="0"/>
+              <a:t>Features</a:t>
+            </a:r>
           </a:p>
         </p:txBody>
       </p:sp>
@@ -7792,8 +8273,8 @@
         </p:nvSpPr>
         <p:spPr>
           <a:xfrm>
-            <a:off x="646111" y="5028982"/>
-            <a:ext cx="10602734" cy="1477328"/>
+            <a:off x="810885" y="1647645"/>
+            <a:ext cx="10038824" cy="1661993"/>
           </a:xfrm>
           <a:prstGeom prst="rect">
             <a:avLst/>
@@ -7807,214 +8288,74 @@
           <a:lstStyle/>
           <a:p>
             <a:r>
-              <a:rPr lang="en-US" b="1" spc="50" dirty="0">
-                <a:ln w="9525" cmpd="sng">
-                  <a:solidFill>
-                    <a:schemeClr val="accent1"/>
-                  </a:solidFill>
-                  <a:prstDash val="solid"/>
-                </a:ln>
-                <a:solidFill>
-                  <a:srgbClr val="70AD47">
-                    <a:tint val="1000"/>
-                  </a:srgbClr>
-                </a:solidFill>
-                <a:effectLst>
-                  <a:glow rad="38100">
-                    <a:schemeClr val="accent1">
-                      <a:alpha val="40000"/>
-                    </a:schemeClr>
-                  </a:glow>
-                </a:effectLst>
-              </a:rPr>
-              <a:t>Support Vector Machine model </a:t>
-            </a:r>
-            <a:r>
-              <a:rPr lang="en-US" dirty="0"/>
-              <a:t>performed better than other model during model training and unseen data prediction. LBP filter, Gabor filter and co-occurrence matrix features are appropriate and adequate for the success of the model.</a:t>
-            </a:r>
-            <a:br>
-              <a:rPr lang="en-US" dirty="0"/>
-            </a:br>
-            <a:r>
-              <a:rPr lang="en-US" dirty="0"/>
-              <a:t>For the problem statement able to make an automated image classifier system to replace manual image classifying process successfully.</a:t>
-            </a:r>
+              <a:rPr lang="en-US" sz="1400" b="1" dirty="0"/>
+              <a:t>Co-occurrence matrix</a:t>
+            </a:r>
+          </a:p>
+          <a:p>
+            <a:r>
+              <a:rPr lang="en-US" sz="1400" dirty="0"/>
+              <a:t>The </a:t>
+            </a:r>
+            <a:r>
+              <a:rPr lang="en-US" sz="1400" dirty="0" err="1"/>
+              <a:t>graylevel</a:t>
+            </a:r>
+            <a:r>
+              <a:rPr lang="en-US" sz="1400" dirty="0"/>
+              <a:t> co-occurrence matrix approach also frequently called the spatial gray level dependence matrix (SGLDM) approach is based on studies of the statistics of pixel intensity distributions. As hinted above with regard to the variance in pixel intensity values, single pixel statistics do not provide rich enough descriptions of textures for practical applications. Thus it is natural to consider the second-order statistics obtained by considering pairs of pixels in certain spatial relations to each</a:t>
+            </a:r>
+          </a:p>
+          <a:p>
             <a:endParaRPr lang="en-SG" dirty="0"/>
           </a:p>
         </p:txBody>
       </p:sp>
-      <p:sp>
-        <p:nvSpPr>
-          <p:cNvPr id="5" name="TextBox 4"/>
-          <p:cNvSpPr txBox="1"/>
+      <p:pic>
+        <p:nvPicPr>
+          <p:cNvPr id="2050" name="Picture 2" descr="https://camo.githubusercontent.com/62d4ddfbaea9c824e11d89432f7bf5431aebdf57/68747470733a2f2f7777772e6d617468776f726b732e636f6d2f68656c702f696d616765732f656e68616e636532362e676966"/>
+          <p:cNvPicPr>
+            <a:picLocks noChangeAspect="1" noChangeArrowheads="1"/>
+          </p:cNvPicPr>
           <p:nvPr/>
-        </p:nvSpPr>
-        <p:spPr>
-          <a:xfrm>
-            <a:off x="646112" y="1335663"/>
-            <a:ext cx="9049980" cy="3416320"/>
+        </p:nvPicPr>
+        <p:blipFill>
+          <a:blip r:embed="rId2">
+            <a:extLst>
+              <a:ext uri="{28A0092B-C50C-407E-A947-70E740481C1C}">
+                <a14:useLocalDpi xmlns:a14="http://schemas.microsoft.com/office/drawing/2010/main" val="0"/>
+              </a:ext>
+            </a:extLst>
+          </a:blip>
+          <a:srcRect/>
+          <a:stretch>
+            <a:fillRect/>
+          </a:stretch>
+        </p:blipFill>
+        <p:spPr bwMode="auto">
+          <a:xfrm>
+            <a:off x="810885" y="3301012"/>
+            <a:ext cx="4057650" cy="2066925"/>
           </a:xfrm>
           <a:prstGeom prst="rect">
             <a:avLst/>
           </a:prstGeom>
           <a:noFill/>
-        </p:spPr>
-        <p:txBody>
-          <a:bodyPr wrap="square" rtlCol="0">
-            <a:spAutoFit/>
-          </a:bodyPr>
-          <a:lstStyle/>
-          <a:p>
-            <a:r>
-              <a:rPr lang="en-US" dirty="0"/>
-              <a:t>Selected features were used to fit trained to following classification models, best estimator </a:t>
-            </a:r>
-            <a:r>
-              <a:rPr lang="en-US" dirty="0" smtClean="0"/>
-              <a:t>parameters </a:t>
-            </a:r>
-            <a:r>
-              <a:rPr lang="en-US" dirty="0"/>
-              <a:t>were obtained using grid search and predicted using test data:</a:t>
-            </a:r>
-          </a:p>
-          <a:p>
-            <a:pPr marL="285750" indent="-285750">
-              <a:buFont typeface="Arial" panose="020B0604020202020204" pitchFamily="34" charset="0"/>
-              <a:buChar char="•"/>
-            </a:pPr>
-            <a:r>
-              <a:rPr lang="en-US" dirty="0"/>
-              <a:t>Logistic </a:t>
-            </a:r>
-            <a:r>
-              <a:rPr lang="en-US" dirty="0" smtClean="0"/>
-              <a:t>Regression</a:t>
-            </a:r>
-          </a:p>
-          <a:p>
-            <a:pPr marL="285750" indent="-285750">
-              <a:buFont typeface="Arial" panose="020B0604020202020204" pitchFamily="34" charset="0"/>
-              <a:buChar char="•"/>
-            </a:pPr>
-            <a:r>
-              <a:rPr lang="en-US" dirty="0" smtClean="0"/>
-              <a:t>K </a:t>
-            </a:r>
-            <a:r>
-              <a:rPr lang="en-US" dirty="0"/>
-              <a:t>Nearest </a:t>
-            </a:r>
-            <a:r>
-              <a:rPr lang="en-US" dirty="0" smtClean="0"/>
-              <a:t>Neighbor classifier</a:t>
-            </a:r>
-          </a:p>
-          <a:p>
-            <a:pPr marL="285750" indent="-285750">
-              <a:buFont typeface="Arial" panose="020B0604020202020204" pitchFamily="34" charset="0"/>
-              <a:buChar char="•"/>
-            </a:pPr>
-            <a:r>
-              <a:rPr lang="en-US" dirty="0" smtClean="0"/>
-              <a:t>Decision </a:t>
-            </a:r>
-            <a:r>
-              <a:rPr lang="en-US" dirty="0"/>
-              <a:t>Tree </a:t>
-            </a:r>
-            <a:r>
-              <a:rPr lang="en-US" dirty="0" smtClean="0"/>
-              <a:t>Classifier</a:t>
-            </a:r>
-          </a:p>
-          <a:p>
-            <a:pPr marL="285750" indent="-285750">
-              <a:buFont typeface="Arial" panose="020B0604020202020204" pitchFamily="34" charset="0"/>
-              <a:buChar char="•"/>
-            </a:pPr>
-            <a:r>
-              <a:rPr lang="en-US" dirty="0" smtClean="0"/>
-              <a:t>Random </a:t>
-            </a:r>
-            <a:r>
-              <a:rPr lang="en-US" dirty="0"/>
-              <a:t>Forrest </a:t>
-            </a:r>
-            <a:r>
-              <a:rPr lang="en-US" dirty="0" smtClean="0"/>
-              <a:t>Classifier</a:t>
-            </a:r>
-          </a:p>
-          <a:p>
-            <a:pPr marL="285750" indent="-285750">
-              <a:buFont typeface="Arial" panose="020B0604020202020204" pitchFamily="34" charset="0"/>
-              <a:buChar char="•"/>
-            </a:pPr>
-            <a:r>
-              <a:rPr lang="en-US" dirty="0" smtClean="0"/>
-              <a:t>Extra </a:t>
-            </a:r>
-            <a:r>
-              <a:rPr lang="en-US" dirty="0"/>
-              <a:t>Tree </a:t>
-            </a:r>
-            <a:r>
-              <a:rPr lang="en-US" dirty="0" smtClean="0"/>
-              <a:t>Classifier</a:t>
-            </a:r>
-          </a:p>
-          <a:p>
-            <a:pPr marL="285750" indent="-285750">
-              <a:buFont typeface="Arial" panose="020B0604020202020204" pitchFamily="34" charset="0"/>
-              <a:buChar char="•"/>
-            </a:pPr>
-            <a:r>
-              <a:rPr lang="en-US" dirty="0" smtClean="0"/>
-              <a:t>Support </a:t>
-            </a:r>
-            <a:r>
-              <a:rPr lang="en-US" dirty="0"/>
-              <a:t>Vector </a:t>
-            </a:r>
-            <a:r>
-              <a:rPr lang="en-US" dirty="0" smtClean="0"/>
-              <a:t>Machines</a:t>
-            </a:r>
-          </a:p>
-          <a:p>
-            <a:pPr marL="285750" indent="-285750">
-              <a:buFont typeface="Arial" panose="020B0604020202020204" pitchFamily="34" charset="0"/>
-              <a:buChar char="•"/>
-            </a:pPr>
-            <a:endParaRPr lang="en-US" dirty="0"/>
-          </a:p>
-          <a:p>
-            <a:r>
-              <a:rPr lang="en-US" dirty="0"/>
-              <a:t>Extra Tree Classifier and Support Vector Machine models had good </a:t>
-            </a:r>
-            <a:r>
-              <a:rPr lang="en-US" dirty="0" smtClean="0"/>
-              <a:t>category accuracy </a:t>
-            </a:r>
-            <a:r>
-              <a:rPr lang="en-US" dirty="0"/>
-              <a:t>of 100% and f1 score of 1 with over all accuracy at 99.9</a:t>
-            </a:r>
-            <a:r>
-              <a:rPr lang="en-US" dirty="0" smtClean="0"/>
-              <a:t>%.</a:t>
-            </a:r>
-            <a:endParaRPr lang="en-US" dirty="0"/>
-          </a:p>
-        </p:txBody>
-      </p:sp>
+          <a:extLst>
+            <a:ext uri="{909E8E84-426E-40DD-AFC4-6F175D3DCCD1}">
+              <a14:hiddenFill xmlns:a14="http://schemas.microsoft.com/office/drawing/2010/main">
+                <a:solidFill>
+                  <a:srgbClr val="FFFFFF"/>
+                </a:solidFill>
+              </a14:hiddenFill>
+            </a:ext>
+          </a:extLst>
+        </p:spPr>
+      </p:pic>
     </p:spTree>
     <p:extLst>
       <p:ext uri="{BB962C8B-B14F-4D97-AF65-F5344CB8AC3E}">
-        <p14:creationId xmlns:p14="http://schemas.microsoft.com/office/powerpoint/2010/main" val="4157506897"/>
+        <p14:creationId xmlns:p14="http://schemas.microsoft.com/office/powerpoint/2010/main" val="1874488437"/>
       </p:ext>
     </p:extLst>
   </p:cSld>
